--- a/units/1/lessons/4/resources/petascale-lesson-1.4-slides.pptx
+++ b/units/1/lessons/4/resources/petascale-lesson-1.4-slides.pptx
@@ -10,7 +10,7 @@
   </p:notesMasterIdLst>
   <p:sldIdLst>
     <p:sldId id="273" r:id="rId3"/>
-    <p:sldId id="274" r:id="rId4"/>
+    <p:sldId id="275" r:id="rId4"/>
     <p:sldId id="256" r:id="rId5"/>
     <p:sldId id="257" r:id="rId6"/>
     <p:sldId id="258" r:id="rId7"/>
@@ -4517,7 +4517,7 @@
                 </a:solidFill>
               </a:rPr>
               <a:pPr/>
-              <a:t>9/12/20</a:t>
+              <a:t>10/11/20</a:t>
             </a:fld>
             <a:endParaRPr lang="en-US">
               <a:solidFill>
@@ -4715,7 +4715,7 @@
                 </a:solidFill>
               </a:rPr>
               <a:pPr/>
-              <a:t>9/12/20</a:t>
+              <a:t>10/11/20</a:t>
             </a:fld>
             <a:endParaRPr lang="en-US">
               <a:solidFill>
@@ -4989,7 +4989,7 @@
                 </a:solidFill>
               </a:rPr>
               <a:pPr/>
-              <a:t>9/12/20</a:t>
+              <a:t>10/11/20</a:t>
             </a:fld>
             <a:endParaRPr lang="en-US">
               <a:solidFill>
@@ -5249,7 +5249,7 @@
                 </a:solidFill>
               </a:rPr>
               <a:pPr/>
-              <a:t>9/12/20</a:t>
+              <a:t>10/11/20</a:t>
             </a:fld>
             <a:endParaRPr lang="en-US">
               <a:solidFill>
@@ -5644,7 +5644,7 @@
                 </a:solidFill>
               </a:rPr>
               <a:pPr/>
-              <a:t>9/12/20</a:t>
+              <a:t>10/11/20</a:t>
             </a:fld>
             <a:endParaRPr lang="en-US">
               <a:solidFill>
@@ -5790,7 +5790,7 @@
                 </a:solidFill>
               </a:rPr>
               <a:pPr/>
-              <a:t>9/12/20</a:t>
+              <a:t>10/11/20</a:t>
             </a:fld>
             <a:endParaRPr lang="en-US">
               <a:solidFill>
@@ -5913,7 +5913,7 @@
                 </a:solidFill>
               </a:rPr>
               <a:pPr/>
-              <a:t>9/12/20</a:t>
+              <a:t>10/11/20</a:t>
             </a:fld>
             <a:endParaRPr lang="en-US">
               <a:solidFill>
@@ -6218,7 +6218,7 @@
                 </a:solidFill>
               </a:rPr>
               <a:pPr/>
-              <a:t>9/12/20</a:t>
+              <a:t>10/11/20</a:t>
             </a:fld>
             <a:endParaRPr lang="en-US">
               <a:solidFill>
@@ -7535,7 +7535,7 @@
                 </a:solidFill>
               </a:rPr>
               <a:pPr/>
-              <a:t>9/12/20</a:t>
+              <a:t>10/11/20</a:t>
             </a:fld>
             <a:endParaRPr lang="en-US">
               <a:solidFill>
@@ -7733,7 +7733,7 @@
                 </a:solidFill>
               </a:rPr>
               <a:pPr/>
-              <a:t>9/12/20</a:t>
+              <a:t>10/11/20</a:t>
             </a:fld>
             <a:endParaRPr lang="en-US">
               <a:solidFill>
@@ -7941,7 +7941,7 @@
                 </a:solidFill>
               </a:rPr>
               <a:pPr/>
-              <a:t>9/12/20</a:t>
+              <a:t>10/11/20</a:t>
             </a:fld>
             <a:endParaRPr lang="en-US">
               <a:solidFill>
@@ -13340,7 +13340,7 @@
                 <a:buFontTx/>
                 <a:buNone/>
               </a:pPr>
-              <a:t>9/12/20</a:t>
+              <a:t>10/11/20</a:t>
             </a:fld>
             <a:endParaRPr lang="en-US" kern="1200">
               <a:solidFill>
@@ -13829,15 +13829,7 @@
                 <a:ea typeface="Times New Roman" charset="0"/>
                 <a:cs typeface="Times New Roman" charset="0"/>
               </a:rPr>
-              <a:t>Blue Waters Petascale</a:t>
-            </a:r>
-            <a:r>
-              <a:rPr lang="en-US" sz="2700" b="1" dirty="0">
-                <a:latin typeface="Times New Roman" charset="0"/>
-                <a:ea typeface="Times New Roman" charset="0"/>
-                <a:cs typeface="Times New Roman" charset="0"/>
-              </a:rPr>
-              <a:t> Semester Curriculum v1.0</a:t>
+              <a:t>Blue Waters Petascale Semester Curriculum v1.0</a:t>
             </a:r>
             <a:r>
               <a:rPr lang="en-US" sz="2700" dirty="0">
@@ -13900,14 +13892,6 @@
               </a:rPr>
               <a:t>Developed by Beau Christ</a:t>
             </a:r>
-            <a:r>
-              <a:rPr lang="en-US" sz="2700" i="1" dirty="0">
-                <a:latin typeface="Times New Roman" charset="0"/>
-                <a:ea typeface="Times New Roman" charset="0"/>
-                <a:cs typeface="Times New Roman" charset="0"/>
-              </a:rPr>
-              <a:t/>
-            </a:r>
             <a:br>
               <a:rPr lang="en-US" sz="2700" i="1" dirty="0">
                 <a:latin typeface="Times New Roman" charset="0"/>
@@ -13923,11 +13907,6 @@
               </a:rPr>
               <a:t>for the Shodor Education Foundation, Inc.</a:t>
             </a:r>
-            <a:endParaRPr lang="en-US" sz="2700" i="1" dirty="0">
-              <a:latin typeface="Times New Roman" charset="0"/>
-              <a:ea typeface="Times New Roman" charset="0"/>
-              <a:cs typeface="Times New Roman" charset="0"/>
-            </a:endParaRPr>
           </a:p>
         </p:txBody>
       </p:sp>
@@ -16575,7 +16554,23 @@
                 <a:ea typeface="Times New Roman" charset="0"/>
                 <a:cs typeface="Times New Roman" charset="0"/>
               </a:rPr>
-              <a:t>CC BY-NC 4.0. To view a copy of this license, visit </a:t>
+              <a:t>CC </a:t>
+            </a:r>
+            <a:r>
+              <a:rPr lang="en-US" sz="2100" dirty="0" smtClean="0">
+                <a:latin typeface="Times New Roman" charset="0"/>
+                <a:ea typeface="Times New Roman" charset="0"/>
+                <a:cs typeface="Times New Roman" charset="0"/>
+              </a:rPr>
+              <a:t>BY-SA </a:t>
+            </a:r>
+            <a:r>
+              <a:rPr lang="en-US" sz="2100" dirty="0">
+                <a:latin typeface="Times New Roman" charset="0"/>
+                <a:ea typeface="Times New Roman" charset="0"/>
+                <a:cs typeface="Times New Roman" charset="0"/>
+              </a:rPr>
+              <a:t>4.0. To view a copy of this license, visit </a:t>
             </a:r>
             <a:r>
               <a:rPr lang="en-US" sz="2100" dirty="0">
@@ -16584,7 +16579,16 @@
                 <a:cs typeface="Times New Roman" charset="0"/>
                 <a:hlinkClick r:id="rId2"/>
               </a:rPr>
-              <a:t>https://creativecommons.org/licenses/by-nc/4.0</a:t>
+              <a:t>https://</a:t>
+            </a:r>
+            <a:r>
+              <a:rPr lang="en-US" sz="2100" dirty="0" smtClean="0">
+                <a:latin typeface="Times New Roman" charset="0"/>
+                <a:ea typeface="Times New Roman" charset="0"/>
+                <a:cs typeface="Times New Roman" charset="0"/>
+                <a:hlinkClick r:id="rId2"/>
+              </a:rPr>
+              <a:t>creativecommons.org/licenses/by-sa/4.0</a:t>
             </a:r>
             <a:r>
               <a:rPr lang="en-US" sz="2100" dirty="0">
@@ -16738,7 +16742,7 @@
     </p:spTree>
     <p:extLst>
       <p:ext uri="{BB962C8B-B14F-4D97-AF65-F5344CB8AC3E}">
-        <p14:creationId xmlns:p14="http://schemas.microsoft.com/office/powerpoint/2010/main" val="1539168958"/>
+        <p14:creationId xmlns:p14="http://schemas.microsoft.com/office/powerpoint/2010/main" val="524962424"/>
       </p:ext>
     </p:extLst>
   </p:cSld>

--- a/units/1/lessons/4/resources/petascale-lesson-1.4-slides.pptx
+++ b/units/1/lessons/4/resources/petascale-lesson-1.4-slides.pptx
@@ -4517,7 +4517,7 @@
                 </a:solidFill>
               </a:rPr>
               <a:pPr/>
-              <a:t>10/11/20</a:t>
+              <a:t>11/16/20</a:t>
             </a:fld>
             <a:endParaRPr lang="en-US">
               <a:solidFill>
@@ -4715,7 +4715,7 @@
                 </a:solidFill>
               </a:rPr>
               <a:pPr/>
-              <a:t>10/11/20</a:t>
+              <a:t>11/16/20</a:t>
             </a:fld>
             <a:endParaRPr lang="en-US">
               <a:solidFill>
@@ -4989,7 +4989,7 @@
                 </a:solidFill>
               </a:rPr>
               <a:pPr/>
-              <a:t>10/11/20</a:t>
+              <a:t>11/16/20</a:t>
             </a:fld>
             <a:endParaRPr lang="en-US">
               <a:solidFill>
@@ -5249,7 +5249,7 @@
                 </a:solidFill>
               </a:rPr>
               <a:pPr/>
-              <a:t>10/11/20</a:t>
+              <a:t>11/16/20</a:t>
             </a:fld>
             <a:endParaRPr lang="en-US">
               <a:solidFill>
@@ -5644,7 +5644,7 @@
                 </a:solidFill>
               </a:rPr>
               <a:pPr/>
-              <a:t>10/11/20</a:t>
+              <a:t>11/16/20</a:t>
             </a:fld>
             <a:endParaRPr lang="en-US">
               <a:solidFill>
@@ -5790,7 +5790,7 @@
                 </a:solidFill>
               </a:rPr>
               <a:pPr/>
-              <a:t>10/11/20</a:t>
+              <a:t>11/16/20</a:t>
             </a:fld>
             <a:endParaRPr lang="en-US">
               <a:solidFill>
@@ -5913,7 +5913,7 @@
                 </a:solidFill>
               </a:rPr>
               <a:pPr/>
-              <a:t>10/11/20</a:t>
+              <a:t>11/16/20</a:t>
             </a:fld>
             <a:endParaRPr lang="en-US">
               <a:solidFill>
@@ -6218,7 +6218,7 @@
                 </a:solidFill>
               </a:rPr>
               <a:pPr/>
-              <a:t>10/11/20</a:t>
+              <a:t>11/16/20</a:t>
             </a:fld>
             <a:endParaRPr lang="en-US">
               <a:solidFill>
@@ -7535,7 +7535,7 @@
                 </a:solidFill>
               </a:rPr>
               <a:pPr/>
-              <a:t>10/11/20</a:t>
+              <a:t>11/16/20</a:t>
             </a:fld>
             <a:endParaRPr lang="en-US">
               <a:solidFill>
@@ -7733,7 +7733,7 @@
                 </a:solidFill>
               </a:rPr>
               <a:pPr/>
-              <a:t>10/11/20</a:t>
+              <a:t>11/16/20</a:t>
             </a:fld>
             <a:endParaRPr lang="en-US">
               <a:solidFill>
@@ -7941,7 +7941,7 @@
                 </a:solidFill>
               </a:rPr>
               <a:pPr/>
-              <a:t>10/11/20</a:t>
+              <a:t>11/16/20</a:t>
             </a:fld>
             <a:endParaRPr lang="en-US">
               <a:solidFill>
@@ -13340,7 +13340,7 @@
                 <a:buFontTx/>
                 <a:buNone/>
               </a:pPr>
-              <a:t>10/11/20</a:t>
+              <a:t>11/16/20</a:t>
             </a:fld>
             <a:endParaRPr lang="en-US" kern="1200">
               <a:solidFill>
